--- a/CodeDiagrams.pptx
+++ b/CodeDiagrams.pptx
@@ -133,14 +133,6 @@
     </p:ext>
   </p:extLst>
 </p:presentation>
-</file>
-
-<file path=ppt/revisionInfo.xml><?xml version="1.0" encoding="utf-8"?>
-<p1510:revInfo xmlns:a="http://schemas.openxmlformats.org/drawingml/2006/main" xmlns:r="http://schemas.openxmlformats.org/officeDocument/2006/relationships" xmlns:p1510="http://schemas.microsoft.com/office/powerpoint/2015/10/main">
-  <p1510:revLst>
-    <p1510:client id="{5A1DA097-117F-904B-891F-C9A07016C5E8}" v="34" dt="2022-10-21T19:46:34.019"/>
-  </p1510:revLst>
-</p1510:revInfo>
 </file>
 
 <file path=ppt/diagrams/colors1.xml><?xml version="1.0" encoding="utf-8"?>
